--- a/PPT课件/Part6-17：用MediatR实现领域事件.pptx
+++ b/PPT课件/Part6-17：用MediatR实现领域事件.pptx
@@ -5,14 +5,13 @@
     <p:sldMasterId id="2147483678" r:id="rId1"/>
   </p:sldMasterIdLst>
   <p:notesMasterIdLst>
-    <p:notesMasterId r:id="rId7"/>
+    <p:notesMasterId r:id="rId6"/>
   </p:notesMasterIdLst>
   <p:sldIdLst>
     <p:sldId id="257" r:id="rId2"/>
     <p:sldId id="276" r:id="rId3"/>
     <p:sldId id="277" r:id="rId4"/>
-    <p:sldId id="278" r:id="rId5"/>
-    <p:sldId id="275" r:id="rId6"/>
+    <p:sldId id="275" r:id="rId5"/>
   </p:sldIdLst>
   <p:sldSz cx="12192000" cy="6858000"/>
   <p:notesSz cx="6858000" cy="9144000"/>
@@ -201,7 +200,7 @@
           <a:p>
             <a:fld id="{0A2FCA5F-0AB4-4B27-9880-843A32CD3FC4}" type="datetimeFigureOut">
               <a:rPr lang="zh-CN" altLang="en-US" smtClean="0"/>
-              <a:t>2022/1/12</a:t>
+              <a:t>2022/2/10</a:t>
             </a:fld>
             <a:endParaRPr lang="zh-CN" altLang="en-US"/>
           </a:p>
@@ -685,7 +684,7 @@
           <a:p>
             <a:fld id="{51EE646F-F65C-4115-9CFB-3F24605268F9}" type="datetimeFigureOut">
               <a:rPr lang="zh-CN" altLang="en-US" smtClean="0"/>
-              <a:t>2022/1/12</a:t>
+              <a:t>2022/2/10</a:t>
             </a:fld>
             <a:endParaRPr lang="zh-CN" altLang="en-US"/>
           </a:p>
@@ -972,7 +971,7 @@
           <a:p>
             <a:fld id="{51EE646F-F65C-4115-9CFB-3F24605268F9}" type="datetimeFigureOut">
               <a:rPr lang="zh-CN" altLang="en-US" smtClean="0"/>
-              <a:t>2022/1/12</a:t>
+              <a:t>2022/2/10</a:t>
             </a:fld>
             <a:endParaRPr lang="zh-CN" altLang="en-US"/>
           </a:p>
@@ -1164,7 +1163,7 @@
           <a:p>
             <a:fld id="{51EE646F-F65C-4115-9CFB-3F24605268F9}" type="datetimeFigureOut">
               <a:rPr lang="zh-CN" altLang="en-US" smtClean="0"/>
-              <a:t>2022/1/12</a:t>
+              <a:t>2022/2/10</a:t>
             </a:fld>
             <a:endParaRPr lang="zh-CN" altLang="en-US"/>
           </a:p>
@@ -1425,7 +1424,7 @@
           <a:p>
             <a:fld id="{51EE646F-F65C-4115-9CFB-3F24605268F9}" type="datetimeFigureOut">
               <a:rPr lang="zh-CN" altLang="en-US" smtClean="0"/>
-              <a:t>2022/1/12</a:t>
+              <a:t>2022/2/10</a:t>
             </a:fld>
             <a:endParaRPr lang="zh-CN" altLang="en-US"/>
           </a:p>
@@ -1849,7 +1848,7 @@
           <a:p>
             <a:fld id="{51EE646F-F65C-4115-9CFB-3F24605268F9}" type="datetimeFigureOut">
               <a:rPr lang="zh-CN" altLang="en-US" smtClean="0"/>
-              <a:t>2022/1/12</a:t>
+              <a:t>2022/2/10</a:t>
             </a:fld>
             <a:endParaRPr lang="zh-CN" altLang="en-US"/>
           </a:p>
@@ -2395,7 +2394,7 @@
           <a:p>
             <a:fld id="{51EE646F-F65C-4115-9CFB-3F24605268F9}" type="datetimeFigureOut">
               <a:rPr lang="zh-CN" altLang="en-US" smtClean="0"/>
-              <a:t>2022/1/12</a:t>
+              <a:t>2022/2/10</a:t>
             </a:fld>
             <a:endParaRPr lang="zh-CN" altLang="en-US"/>
           </a:p>
@@ -3235,7 +3234,7 @@
           <a:p>
             <a:fld id="{51EE646F-F65C-4115-9CFB-3F24605268F9}" type="datetimeFigureOut">
               <a:rPr lang="zh-CN" altLang="en-US" smtClean="0"/>
-              <a:t>2022/1/12</a:t>
+              <a:t>2022/2/10</a:t>
             </a:fld>
             <a:endParaRPr lang="zh-CN" altLang="en-US"/>
           </a:p>
@@ -3405,7 +3404,7 @@
           <a:p>
             <a:fld id="{51EE646F-F65C-4115-9CFB-3F24605268F9}" type="datetimeFigureOut">
               <a:rPr lang="zh-CN" altLang="en-US" smtClean="0"/>
-              <a:t>2022/1/12</a:t>
+              <a:t>2022/2/10</a:t>
             </a:fld>
             <a:endParaRPr lang="zh-CN" altLang="en-US"/>
           </a:p>
@@ -3589,7 +3588,7 @@
           <a:p>
             <a:fld id="{51EE646F-F65C-4115-9CFB-3F24605268F9}" type="datetimeFigureOut">
               <a:rPr lang="zh-CN" altLang="en-US" smtClean="0"/>
-              <a:t>2022/1/12</a:t>
+              <a:t>2022/2/10</a:t>
             </a:fld>
             <a:endParaRPr lang="zh-CN" altLang="en-US"/>
           </a:p>
@@ -3759,7 +3758,7 @@
           <a:p>
             <a:fld id="{51EE646F-F65C-4115-9CFB-3F24605268F9}" type="datetimeFigureOut">
               <a:rPr lang="zh-CN" altLang="en-US" smtClean="0"/>
-              <a:t>2022/1/12</a:t>
+              <a:t>2022/2/10</a:t>
             </a:fld>
             <a:endParaRPr lang="zh-CN" altLang="en-US"/>
           </a:p>
@@ -4007,7 +4006,7 @@
           <a:p>
             <a:fld id="{51EE646F-F65C-4115-9CFB-3F24605268F9}" type="datetimeFigureOut">
               <a:rPr lang="zh-CN" altLang="en-US" smtClean="0"/>
-              <a:t>2022/1/12</a:t>
+              <a:t>2022/2/10</a:t>
             </a:fld>
             <a:endParaRPr lang="zh-CN" altLang="en-US"/>
           </a:p>
@@ -4244,7 +4243,7 @@
           <a:p>
             <a:fld id="{51EE646F-F65C-4115-9CFB-3F24605268F9}" type="datetimeFigureOut">
               <a:rPr lang="zh-CN" altLang="en-US" smtClean="0"/>
-              <a:t>2022/1/12</a:t>
+              <a:t>2022/2/10</a:t>
             </a:fld>
             <a:endParaRPr lang="zh-CN" altLang="en-US"/>
           </a:p>
@@ -4617,7 +4616,7 @@
           <a:p>
             <a:fld id="{51EE646F-F65C-4115-9CFB-3F24605268F9}" type="datetimeFigureOut">
               <a:rPr lang="zh-CN" altLang="en-US" smtClean="0"/>
-              <a:t>2022/1/12</a:t>
+              <a:t>2022/2/10</a:t>
             </a:fld>
             <a:endParaRPr lang="zh-CN" altLang="en-US"/>
           </a:p>
@@ -4735,7 +4734,7 @@
           <a:p>
             <a:fld id="{51EE646F-F65C-4115-9CFB-3F24605268F9}" type="datetimeFigureOut">
               <a:rPr lang="zh-CN" altLang="en-US" smtClean="0"/>
-              <a:t>2022/1/12</a:t>
+              <a:t>2022/2/10</a:t>
             </a:fld>
             <a:endParaRPr lang="zh-CN" altLang="en-US"/>
           </a:p>
@@ -4830,7 +4829,7 @@
           <a:p>
             <a:fld id="{51EE646F-F65C-4115-9CFB-3F24605268F9}" type="datetimeFigureOut">
               <a:rPr lang="zh-CN" altLang="en-US" smtClean="0"/>
-              <a:t>2022/1/12</a:t>
+              <a:t>2022/2/10</a:t>
             </a:fld>
             <a:endParaRPr lang="zh-CN" altLang="en-US"/>
           </a:p>
@@ -5081,7 +5080,7 @@
           <a:p>
             <a:fld id="{51EE646F-F65C-4115-9CFB-3F24605268F9}" type="datetimeFigureOut">
               <a:rPr lang="zh-CN" altLang="en-US" smtClean="0"/>
-              <a:t>2022/1/12</a:t>
+              <a:t>2022/2/10</a:t>
             </a:fld>
             <a:endParaRPr lang="zh-CN" altLang="en-US"/>
           </a:p>
@@ -5368,7 +5367,7 @@
           <a:p>
             <a:fld id="{51EE646F-F65C-4115-9CFB-3F24605268F9}" type="datetimeFigureOut">
               <a:rPr lang="zh-CN" altLang="en-US" smtClean="0"/>
-              <a:t>2022/1/12</a:t>
+              <a:t>2022/2/10</a:t>
             </a:fld>
             <a:endParaRPr lang="zh-CN" altLang="en-US"/>
           </a:p>
@@ -5581,7 +5580,7 @@
           <a:p>
             <a:fld id="{51EE646F-F65C-4115-9CFB-3F24605268F9}" type="datetimeFigureOut">
               <a:rPr lang="zh-CN" altLang="en-US" smtClean="0"/>
-              <a:t>2022/1/12</a:t>
+              <a:t>2022/2/10</a:t>
             </a:fld>
             <a:endParaRPr lang="zh-CN" altLang="en-US"/>
           </a:p>
@@ -6713,173 +6712,6 @@
 </file>
 
 <file path=ppt/slides/slide4.xml><?xml version="1.0" encoding="utf-8"?>
-<p:sld xmlns:a="http://schemas.openxmlformats.org/drawingml/2006/main" xmlns:r="http://schemas.openxmlformats.org/officeDocument/2006/relationships" xmlns:p="http://schemas.openxmlformats.org/presentationml/2006/main">
-  <p:cSld>
-    <p:spTree>
-      <p:nvGrpSpPr>
-        <p:cNvPr id="1" name=""/>
-        <p:cNvGrpSpPr/>
-        <p:nvPr/>
-      </p:nvGrpSpPr>
-      <p:grpSpPr>
-        <a:xfrm>
-          <a:off x="0" y="0"/>
-          <a:ext cx="0" cy="0"/>
-          <a:chOff x="0" y="0"/>
-          <a:chExt cx="0" cy="0"/>
-        </a:xfrm>
-      </p:grpSpPr>
-      <p:sp>
-        <p:nvSpPr>
-          <p:cNvPr id="2" name="标题 1">
-            <a:extLst>
-              <a:ext uri="{FF2B5EF4-FFF2-40B4-BE49-F238E27FC236}">
-                <a16:creationId xmlns:a16="http://schemas.microsoft.com/office/drawing/2014/main" id="{180446AE-D477-4F03-9D8F-258708FF1D60}"/>
-              </a:ext>
-            </a:extLst>
-          </p:cNvPr>
-          <p:cNvSpPr>
-            <a:spLocks noGrp="1"/>
-          </p:cNvSpPr>
-          <p:nvPr>
-            <p:ph type="title"/>
-          </p:nvPr>
-        </p:nvSpPr>
-        <p:spPr>
-          <a:xfrm>
-            <a:off x="104170" y="142876"/>
-            <a:ext cx="5782280" cy="457200"/>
-          </a:xfrm>
-        </p:spPr>
-        <p:txBody>
-          <a:bodyPr>
-            <a:normAutofit fontScale="90000"/>
-          </a:bodyPr>
-          <a:lstStyle/>
-          <a:p>
-            <a:pPr algn="l"/>
-            <a:r>
-              <a:rPr lang="en-US" altLang="zh-CN" cap="none" dirty="0"/>
-              <a:t>Publish</a:t>
-            </a:r>
-            <a:r>
-              <a:rPr lang="zh-CN" altLang="en-US" cap="none" dirty="0"/>
-              <a:t>异步与否</a:t>
-            </a:r>
-          </a:p>
-        </p:txBody>
-      </p:sp>
-      <p:sp>
-        <p:nvSpPr>
-          <p:cNvPr id="3" name="内容占位符 2">
-            <a:extLst>
-              <a:ext uri="{FF2B5EF4-FFF2-40B4-BE49-F238E27FC236}">
-                <a16:creationId xmlns:a16="http://schemas.microsoft.com/office/drawing/2014/main" id="{83308F8D-BBAE-48DC-9AA2-2743FAC24F6D}"/>
-              </a:ext>
-            </a:extLst>
-          </p:cNvPr>
-          <p:cNvSpPr>
-            <a:spLocks noGrp="1"/>
-          </p:cNvSpPr>
-          <p:nvPr>
-            <p:ph idx="1"/>
-          </p:nvPr>
-        </p:nvSpPr>
-        <p:spPr>
-          <a:xfrm>
-            <a:off x="104170" y="791138"/>
-            <a:ext cx="12011630" cy="6066861"/>
-          </a:xfrm>
-        </p:spPr>
-        <p:txBody>
-          <a:bodyPr>
-            <a:normAutofit/>
-          </a:bodyPr>
-          <a:lstStyle/>
-          <a:p>
-            <a:pPr marL="0" indent="0">
-              <a:buNone/>
-            </a:pPr>
-            <a:r>
-              <a:rPr lang="en-US" altLang="zh-CN" sz="2800" dirty="0"/>
-              <a:t>1</a:t>
-            </a:r>
-            <a:r>
-              <a:rPr lang="zh-CN" altLang="en-US" sz="2800" dirty="0"/>
-              <a:t>、如果我们使用</a:t>
-            </a:r>
-            <a:r>
-              <a:rPr lang="en-US" altLang="zh-CN" sz="2800" dirty="0"/>
-              <a:t>await</a:t>
-            </a:r>
-            <a:r>
-              <a:rPr lang="zh-CN" altLang="en-US" sz="2800" dirty="0"/>
-              <a:t>的方式来调用</a:t>
-            </a:r>
-            <a:r>
-              <a:rPr lang="en-US" altLang="zh-CN" sz="2800" dirty="0"/>
-              <a:t>Publish</a:t>
-            </a:r>
-            <a:r>
-              <a:rPr lang="zh-CN" altLang="en-US" sz="2800" dirty="0"/>
-              <a:t>方法，那么程序会等待所有的消息处理者的</a:t>
-            </a:r>
-            <a:r>
-              <a:rPr lang="en-US" altLang="zh-CN" sz="2800" dirty="0"/>
-              <a:t>Handle</a:t>
-            </a:r>
-            <a:r>
-              <a:rPr lang="zh-CN" altLang="en-US" sz="2800" dirty="0"/>
-              <a:t>方法执行完成后才继续向后执行，因此消息的发布者和消息的处理者的代码是运行在相同的调用堆栈中的，这样我们可以轻松地实现强一致性的事务。</a:t>
-            </a:r>
-            <a:endParaRPr lang="en-US" altLang="zh-CN" sz="2800" dirty="0"/>
-          </a:p>
-          <a:p>
-            <a:pPr marL="0" indent="0">
-              <a:buNone/>
-            </a:pPr>
-            <a:r>
-              <a:rPr lang="en-US" altLang="zh-CN" sz="2800" dirty="0"/>
-              <a:t>2</a:t>
-            </a:r>
-            <a:r>
-              <a:rPr lang="zh-CN" altLang="en-US" sz="2800" dirty="0"/>
-              <a:t>、如果消息的发布者不需要等待消息处理者的执行，那么我们可以不用</a:t>
-            </a:r>
-            <a:r>
-              <a:rPr lang="en-US" altLang="zh-CN" sz="2800" dirty="0"/>
-              <a:t>await</a:t>
-            </a:r>
-            <a:r>
-              <a:rPr lang="zh-CN" altLang="en-US" sz="2800" dirty="0"/>
-              <a:t>方法来调用</a:t>
-            </a:r>
-            <a:r>
-              <a:rPr lang="en-US" altLang="zh-CN" sz="2800" dirty="0"/>
-              <a:t>Publish</a:t>
-            </a:r>
-            <a:r>
-              <a:rPr lang="zh-CN" altLang="en-US" sz="2800"/>
-              <a:t>方法。</a:t>
-            </a:r>
-            <a:endParaRPr lang="zh-CN" altLang="en-US" sz="2800" dirty="0"/>
-          </a:p>
-        </p:txBody>
-      </p:sp>
-    </p:spTree>
-    <p:extLst>
-      <p:ext uri="{BB962C8B-B14F-4D97-AF65-F5344CB8AC3E}">
-        <p14:creationId xmlns:p14="http://schemas.microsoft.com/office/powerpoint/2010/main" val="2644244557"/>
-      </p:ext>
-    </p:extLst>
-  </p:cSld>
-  <p:clrMapOvr>
-    <a:masterClrMapping/>
-  </p:clrMapOvr>
-</p:sld>
-</file>
-
-<file path=ppt/slides/slide5.xml><?xml version="1.0" encoding="utf-8"?>
 <p:sld xmlns:a="http://schemas.openxmlformats.org/drawingml/2006/main" xmlns:r="http://schemas.openxmlformats.org/officeDocument/2006/relationships" xmlns:p="http://schemas.openxmlformats.org/presentationml/2006/main">
   <p:cSld>
     <p:spTree>
